--- a/Apresentação Relatório.pptx
+++ b/Apresentação Relatório.pptx
@@ -9,7 +9,8 @@
     <p:sldId id="259" r:id="rId3"/>
     <p:sldId id="261" r:id="rId4"/>
     <p:sldId id="258" r:id="rId5"/>
-    <p:sldId id="257" r:id="rId6"/>
+    <p:sldId id="263" r:id="rId6"/>
+    <p:sldId id="257" r:id="rId7"/>
   </p:sldIdLst>
   <p:sldSz cx="12192000" cy="6858000"/>
   <p:notesSz cx="12192000" cy="6858000"/>
@@ -267,7 +268,7 @@
             </a:pPr>
             <a:fld id="{A52CD36C-FFFC-45D1-A09B-F3EE7A585A1E}" type="datetimeFigureOut">
               <a:rPr lang="pt-BR"/>
-              <a:t>09/06/2024</a:t>
+              <a:t>10/06/2024</a:t>
             </a:fld>
             <a:endParaRPr lang="pt-BR"/>
           </a:p>
@@ -458,7 +459,7 @@
             </a:pPr>
             <a:fld id="{A52CD36C-FFFC-45D1-A09B-F3EE7A585A1E}" type="datetimeFigureOut">
               <a:rPr lang="pt-BR"/>
-              <a:t>09/06/2024</a:t>
+              <a:t>10/06/2024</a:t>
             </a:fld>
             <a:endParaRPr lang="pt-BR"/>
           </a:p>
@@ -659,7 +660,7 @@
             </a:pPr>
             <a:fld id="{A52CD36C-FFFC-45D1-A09B-F3EE7A585A1E}" type="datetimeFigureOut">
               <a:rPr lang="pt-BR"/>
-              <a:t>09/06/2024</a:t>
+              <a:t>10/06/2024</a:t>
             </a:fld>
             <a:endParaRPr lang="pt-BR"/>
           </a:p>
@@ -850,7 +851,7 @@
             </a:pPr>
             <a:fld id="{A52CD36C-FFFC-45D1-A09B-F3EE7A585A1E}" type="datetimeFigureOut">
               <a:rPr lang="pt-BR"/>
-              <a:t>09/06/2024</a:t>
+              <a:t>10/06/2024</a:t>
             </a:fld>
             <a:endParaRPr lang="pt-BR"/>
           </a:p>
@@ -1106,7 +1107,7 @@
             </a:pPr>
             <a:fld id="{A52CD36C-FFFC-45D1-A09B-F3EE7A585A1E}" type="datetimeFigureOut">
               <a:rPr lang="pt-BR"/>
-              <a:t>09/06/2024</a:t>
+              <a:t>10/06/2024</a:t>
             </a:fld>
             <a:endParaRPr lang="pt-BR"/>
           </a:p>
@@ -1373,7 +1374,7 @@
             </a:pPr>
             <a:fld id="{A52CD36C-FFFC-45D1-A09B-F3EE7A585A1E}" type="datetimeFigureOut">
               <a:rPr lang="pt-BR"/>
-              <a:t>09/06/2024</a:t>
+              <a:t>10/06/2024</a:t>
             </a:fld>
             <a:endParaRPr lang="pt-BR"/>
           </a:p>
@@ -1781,7 +1782,7 @@
             </a:pPr>
             <a:fld id="{A52CD36C-FFFC-45D1-A09B-F3EE7A585A1E}" type="datetimeFigureOut">
               <a:rPr lang="pt-BR"/>
-              <a:t>09/06/2024</a:t>
+              <a:t>10/06/2024</a:t>
             </a:fld>
             <a:endParaRPr lang="pt-BR"/>
           </a:p>
@@ -1906,7 +1907,7 @@
             </a:pPr>
             <a:fld id="{A52CD36C-FFFC-45D1-A09B-F3EE7A585A1E}" type="datetimeFigureOut">
               <a:rPr lang="pt-BR"/>
-              <a:t>09/06/2024</a:t>
+              <a:t>10/06/2024</a:t>
             </a:fld>
             <a:endParaRPr lang="pt-BR"/>
           </a:p>
@@ -2005,7 +2006,7 @@
             </a:pPr>
             <a:fld id="{A52CD36C-FFFC-45D1-A09B-F3EE7A585A1E}" type="datetimeFigureOut">
               <a:rPr lang="pt-BR"/>
-              <a:t>09/06/2024</a:t>
+              <a:t>10/06/2024</a:t>
             </a:fld>
             <a:endParaRPr lang="pt-BR"/>
           </a:p>
@@ -2306,7 +2307,7 @@
             </a:pPr>
             <a:fld id="{A52CD36C-FFFC-45D1-A09B-F3EE7A585A1E}" type="datetimeFigureOut">
               <a:rPr lang="pt-BR"/>
-              <a:t>09/06/2024</a:t>
+              <a:t>10/06/2024</a:t>
             </a:fld>
             <a:endParaRPr lang="pt-BR"/>
           </a:p>
@@ -2572,7 +2573,7 @@
             </a:pPr>
             <a:fld id="{A52CD36C-FFFC-45D1-A09B-F3EE7A585A1E}" type="datetimeFigureOut">
               <a:rPr lang="pt-BR"/>
-              <a:t>09/06/2024</a:t>
+              <a:t>10/06/2024</a:t>
             </a:fld>
             <a:endParaRPr lang="pt-BR"/>
           </a:p>
@@ -2806,7 +2807,7 @@
             </a:pPr>
             <a:fld id="{A52CD36C-FFFC-45D1-A09B-F3EE7A585A1E}" type="datetimeFigureOut">
               <a:rPr lang="pt-BR"/>
-              <a:t>09/06/2024</a:t>
+              <a:t>10/06/2024</a:t>
             </a:fld>
             <a:endParaRPr lang="pt-BR"/>
           </a:p>
@@ -3796,6 +3797,138 @@
 </file>
 
 <file path=ppt/slides/slide5.xml><?xml version="1.0" encoding="utf-8"?>
+<p:sld xmlns:a="http://schemas.openxmlformats.org/drawingml/2006/main" xmlns:r="http://schemas.openxmlformats.org/officeDocument/2006/relationships" xmlns:p="http://schemas.openxmlformats.org/presentationml/2006/main">
+  <p:cSld>
+    <p:spTree>
+      <p:nvGrpSpPr>
+        <p:cNvPr id="1" name=""/>
+        <p:cNvGrpSpPr/>
+        <p:nvPr/>
+      </p:nvGrpSpPr>
+      <p:grpSpPr>
+        <a:xfrm>
+          <a:off x="0" y="0"/>
+          <a:ext cx="0" cy="0"/>
+          <a:chOff x="0" y="0"/>
+          <a:chExt cx="0" cy="0"/>
+        </a:xfrm>
+      </p:grpSpPr>
+      <p:sp>
+        <p:nvSpPr>
+          <p:cNvPr id="2" name="Título 1">
+            <a:extLst>
+              <a:ext uri="{FF2B5EF4-FFF2-40B4-BE49-F238E27FC236}">
+                <a16:creationId xmlns:a16="http://schemas.microsoft.com/office/drawing/2014/main" id="{12373E1B-CCB1-AE5B-0976-58E8CE52E518}"/>
+              </a:ext>
+            </a:extLst>
+          </p:cNvPr>
+          <p:cNvSpPr>
+            <a:spLocks noGrp="1"/>
+          </p:cNvSpPr>
+          <p:nvPr>
+            <p:ph type="title"/>
+          </p:nvPr>
+        </p:nvSpPr>
+        <p:spPr/>
+        <p:txBody>
+          <a:bodyPr/>
+          <a:lstStyle/>
+          <a:p>
+            <a:endParaRPr lang="pt-BR"/>
+          </a:p>
+        </p:txBody>
+      </p:sp>
+      <p:sp>
+        <p:nvSpPr>
+          <p:cNvPr id="5" name="Espaço Reservado para Conteúdo 4">
+            <a:extLst>
+              <a:ext uri="{FF2B5EF4-FFF2-40B4-BE49-F238E27FC236}">
+                <a16:creationId xmlns:a16="http://schemas.microsoft.com/office/drawing/2014/main" id="{4165D435-B609-7EC8-E48A-6E85FAEC2A6B}"/>
+              </a:ext>
+            </a:extLst>
+          </p:cNvPr>
+          <p:cNvSpPr>
+            <a:spLocks noGrp="1"/>
+          </p:cNvSpPr>
+          <p:nvPr>
+            <p:ph idx="1"/>
+          </p:nvPr>
+        </p:nvSpPr>
+        <p:spPr/>
+        <p:txBody>
+          <a:bodyPr/>
+          <a:lstStyle/>
+          <a:p>
+            <a:pPr marL="0" indent="0">
+              <a:buNone/>
+            </a:pPr>
+            <a:r>
+              <a:rPr lang="pt-BR" dirty="0"/>
+              <a:t>APLICAÇÕES</a:t>
+            </a:r>
+          </a:p>
+          <a:p>
+            <a:pPr marL="0" indent="0">
+              <a:buNone/>
+            </a:pPr>
+            <a:endParaRPr lang="pt-BR" dirty="0"/>
+          </a:p>
+          <a:p>
+            <a:pPr marL="0" indent="0">
+              <a:buNone/>
+            </a:pPr>
+            <a:r>
+              <a:rPr lang="pt-BR" dirty="0"/>
+              <a:t>- Reconhecimento de imagem e visão computacional</a:t>
+            </a:r>
+          </a:p>
+          <a:p>
+            <a:pPr>
+              <a:buFontTx/>
+              <a:buChar char="-"/>
+            </a:pPr>
+            <a:r>
+              <a:rPr lang="pt-BR" dirty="0"/>
+              <a:t>Saúde e medicina</a:t>
+            </a:r>
+          </a:p>
+          <a:p>
+            <a:pPr>
+              <a:buFontTx/>
+              <a:buChar char="-"/>
+            </a:pPr>
+            <a:r>
+              <a:rPr lang="pt-BR" dirty="0"/>
+              <a:t>Veículos Autônomos</a:t>
+            </a:r>
+          </a:p>
+          <a:p>
+            <a:pPr>
+              <a:buFontTx/>
+              <a:buChar char="-"/>
+            </a:pPr>
+            <a:r>
+              <a:rPr lang="pt-BR"/>
+              <a:t>Recomendações Personalizadas</a:t>
+            </a:r>
+            <a:endParaRPr lang="pt-BR" dirty="0"/>
+          </a:p>
+        </p:txBody>
+      </p:sp>
+    </p:spTree>
+    <p:extLst>
+      <p:ext uri="{BB962C8B-B14F-4D97-AF65-F5344CB8AC3E}">
+        <p14:creationId xmlns:p14="http://schemas.microsoft.com/office/powerpoint/2010/main" val="3062481204"/>
+      </p:ext>
+    </p:extLst>
+  </p:cSld>
+  <p:clrMapOvr>
+    <a:masterClrMapping/>
+  </p:clrMapOvr>
+</p:sld>
+</file>
+
+<file path=ppt/slides/slide6.xml><?xml version="1.0" encoding="utf-8"?>
 <p:sld xmlns:a="http://schemas.openxmlformats.org/drawingml/2006/main" xmlns:r="http://schemas.openxmlformats.org/officeDocument/2006/relationships" xmlns:p="http://schemas.openxmlformats.org/presentationml/2006/main" showMasterPhAnim="0">
   <p:cSld>
     <p:spTree>
@@ -3814,36 +3947,6 @@
       </p:grpSpPr>
       <p:sp>
         <p:nvSpPr>
-          <p:cNvPr id="13" name="Title 1">
-            <a:extLst>
-              <a:ext uri="{FF2B5EF4-FFF2-40B4-BE49-F238E27FC236}">
-                <a16:creationId xmlns:a16="http://schemas.microsoft.com/office/drawing/2014/main" id="{7E459727-E525-5AFC-05DC-36AB24C03A02}"/>
-              </a:ext>
-            </a:extLst>
-          </p:cNvPr>
-          <p:cNvSpPr>
-            <a:spLocks noGrp="1"/>
-          </p:cNvSpPr>
-          <p:nvPr>
-            <p:ph type="title"/>
-          </p:nvPr>
-        </p:nvSpPr>
-        <p:spPr>
-          <a:xfrm>
-            <a:off x="838200" y="365125"/>
-            <a:ext cx="10515600" cy="1325563"/>
-          </a:xfrm>
-        </p:spPr>
-        <p:txBody>
-          <a:bodyPr/>
-          <a:lstStyle/>
-          <a:p>
-            <a:endParaRPr lang="en-US"/>
-          </a:p>
-        </p:txBody>
-      </p:sp>
-      <p:sp>
-        <p:nvSpPr>
           <p:cNvPr id="14" name="Content Placeholder 2">
             <a:extLst>
               <a:ext uri="{FF2B5EF4-FFF2-40B4-BE49-F238E27FC236}">
@@ -3872,9 +3975,18 @@
               <a:buNone/>
             </a:pPr>
             <a:r>
+              <a:rPr lang="en-US" dirty="0" err="1"/>
+              <a:t>Aplicações</a:t>
+            </a:r>
+            <a:r>
               <a:rPr lang="en-US" dirty="0"/>
-              <a:t>APLICAÇÕES</a:t>
-            </a:r>
+              <a:t> </a:t>
+            </a:r>
+            <a:r>
+              <a:rPr lang="en-US" dirty="0" err="1"/>
+              <a:t>escolhidas</a:t>
+            </a:r>
+            <a:endParaRPr lang="en-US" dirty="0"/>
           </a:p>
           <a:p>
             <a:r>
@@ -3961,42 +4073,6 @@
           <a:xfrm>
             <a:off x="7232263" y="3759371"/>
             <a:ext cx="3879765" cy="2659516"/>
-          </a:xfrm>
-          <a:prstGeom prst="rect">
-            <a:avLst/>
-          </a:prstGeom>
-        </p:spPr>
-      </p:pic>
-      <p:pic>
-        <p:nvPicPr>
-          <p:cNvPr id="8" name="Imagem 7" descr="Interface gráfica do usuário&#10;&#10;Descrição gerada automaticamente">
-            <a:extLst>
-              <a:ext uri="{FF2B5EF4-FFF2-40B4-BE49-F238E27FC236}">
-                <a16:creationId xmlns:a16="http://schemas.microsoft.com/office/drawing/2014/main" id="{0A3E3168-3285-C986-17E7-C2804F58FCC2}"/>
-              </a:ext>
-            </a:extLst>
-          </p:cNvPr>
-          <p:cNvPicPr>
-            <a:picLocks noChangeAspect="1"/>
-          </p:cNvPicPr>
-          <p:nvPr/>
-        </p:nvPicPr>
-        <p:blipFill>
-          <a:blip r:embed="rId4" cstate="print">
-            <a:extLst>
-              <a:ext uri="{28A0092B-C50C-407E-A947-70E740481C1C}">
-                <a14:useLocalDpi xmlns:a14="http://schemas.microsoft.com/office/drawing/2010/main" val="0"/>
-              </a:ext>
-            </a:extLst>
-          </a:blip>
-          <a:stretch>
-            <a:fillRect/>
-          </a:stretch>
-        </p:blipFill>
-        <p:spPr>
-          <a:xfrm>
-            <a:off x="6784429" y="3760281"/>
-            <a:ext cx="4327599" cy="2658606"/>
           </a:xfrm>
           <a:prstGeom prst="rect">
             <a:avLst/>
